--- a/Analysis Modeling/Structural Modeling.pptx
+++ b/Analysis Modeling/Structural Modeling.pptx
@@ -4954,7 +4954,7 @@
           <a:p>
             <a:fld id="{02971858-6500-4B2C-8F86-0E0DC0C40558}" type="datetimeFigureOut">
               <a:rPr lang="en-US" smtClean="0"/>
-              <a:t>14/11/2017</a:t>
+              <a:t>07/12/2017</a:t>
             </a:fld>
             <a:endParaRPr lang="en-US"/>
           </a:p>
@@ -5155,7 +5155,7 @@
           <a:p>
             <a:fld id="{02971858-6500-4B2C-8F86-0E0DC0C40558}" type="datetimeFigureOut">
               <a:rPr lang="en-US" smtClean="0"/>
-              <a:t>14/11/2017</a:t>
+              <a:t>07/12/2017</a:t>
             </a:fld>
             <a:endParaRPr lang="en-US"/>
           </a:p>
@@ -5432,7 +5432,7 @@
           <a:p>
             <a:fld id="{02971858-6500-4B2C-8F86-0E0DC0C40558}" type="datetimeFigureOut">
               <a:rPr lang="en-US" smtClean="0"/>
-              <a:t>14/11/2017</a:t>
+              <a:t>07/12/2017</a:t>
             </a:fld>
             <a:endParaRPr lang="en-US"/>
           </a:p>
@@ -5701,7 +5701,7 @@
           <a:p>
             <a:fld id="{02971858-6500-4B2C-8F86-0E0DC0C40558}" type="datetimeFigureOut">
               <a:rPr lang="en-US" smtClean="0"/>
-              <a:t>14/11/2017</a:t>
+              <a:t>07/12/2017</a:t>
             </a:fld>
             <a:endParaRPr lang="en-US"/>
           </a:p>
@@ -6117,7 +6117,7 @@
           <a:p>
             <a:fld id="{02971858-6500-4B2C-8F86-0E0DC0C40558}" type="datetimeFigureOut">
               <a:rPr lang="en-US" smtClean="0"/>
-              <a:t>14/11/2017</a:t>
+              <a:t>07/12/2017</a:t>
             </a:fld>
             <a:endParaRPr lang="en-US"/>
           </a:p>
@@ -7121,7 +7121,7 @@
           <a:p>
             <a:fld id="{02971858-6500-4B2C-8F86-0E0DC0C40558}" type="datetimeFigureOut">
               <a:rPr lang="en-US" smtClean="0"/>
-              <a:t>14/11/2017</a:t>
+              <a:t>07/12/2017</a:t>
             </a:fld>
             <a:endParaRPr lang="en-US"/>
           </a:p>
@@ -7235,7 +7235,7 @@
           <a:p>
             <a:fld id="{02971858-6500-4B2C-8F86-0E0DC0C40558}" type="datetimeFigureOut">
               <a:rPr lang="en-US" smtClean="0"/>
-              <a:t>14/11/2017</a:t>
+              <a:t>07/12/2017</a:t>
             </a:fld>
             <a:endParaRPr lang="en-US"/>
           </a:p>
@@ -7549,7 +7549,7 @@
           <a:p>
             <a:fld id="{02971858-6500-4B2C-8F86-0E0DC0C40558}" type="datetimeFigureOut">
               <a:rPr lang="en-US" smtClean="0"/>
-              <a:t>14/11/2017</a:t>
+              <a:t>07/12/2017</a:t>
             </a:fld>
             <a:endParaRPr lang="en-US"/>
           </a:p>
@@ -7839,7 +7839,7 @@
           <a:p>
             <a:fld id="{02971858-6500-4B2C-8F86-0E0DC0C40558}" type="datetimeFigureOut">
               <a:rPr lang="en-US" smtClean="0"/>
-              <a:t>14/11/2017</a:t>
+              <a:t>07/12/2017</a:t>
             </a:fld>
             <a:endParaRPr lang="en-US"/>
           </a:p>
@@ -8040,7 +8040,7 @@
           <a:p>
             <a:fld id="{02971858-6500-4B2C-8F86-0E0DC0C40558}" type="datetimeFigureOut">
               <a:rPr lang="en-US" smtClean="0"/>
-              <a:t>14/11/2017</a:t>
+              <a:t>07/12/2017</a:t>
             </a:fld>
             <a:endParaRPr lang="en-US"/>
           </a:p>
@@ -8251,7 +8251,7 @@
           <a:p>
             <a:fld id="{02971858-6500-4B2C-8F86-0E0DC0C40558}" type="datetimeFigureOut">
               <a:rPr lang="en-US" smtClean="0"/>
-              <a:t>14/11/2017</a:t>
+              <a:t>07/12/2017</a:t>
             </a:fld>
             <a:endParaRPr lang="en-US"/>
           </a:p>
@@ -18692,7 +18692,7 @@
           <a:p>
             <a:fld id="{02971858-6500-4B2C-8F86-0E0DC0C40558}" type="datetimeFigureOut">
               <a:rPr lang="en-US" smtClean="0"/>
-              <a:t>14/11/2017</a:t>
+              <a:t>07/12/2017</a:t>
             </a:fld>
             <a:endParaRPr lang="en-US"/>
           </a:p>
@@ -19800,7 +19800,7 @@
           <p:nvPr>
             <p:extLst>
               <p:ext uri="{D42A27DB-BD31-4B8C-83A1-F6EECF244321}">
-                <p14:modId xmlns:p14="http://schemas.microsoft.com/office/powerpoint/2010/main" val="1788038903"/>
+                <p14:modId xmlns:p14="http://schemas.microsoft.com/office/powerpoint/2010/main" val="4207517426"/>
               </p:ext>
             </p:extLst>
           </p:nvPr>
@@ -21014,7 +21014,7 @@
           <p:nvPr>
             <p:extLst>
               <p:ext uri="{D42A27DB-BD31-4B8C-83A1-F6EECF244321}">
-                <p14:modId xmlns:p14="http://schemas.microsoft.com/office/powerpoint/2010/main" val="3275229954"/>
+                <p14:modId xmlns:p14="http://schemas.microsoft.com/office/powerpoint/2010/main" val="3534849571"/>
               </p:ext>
             </p:extLst>
           </p:nvPr>
@@ -22260,7 +22260,7 @@
           <p:nvPr>
             <p:extLst>
               <p:ext uri="{D42A27DB-BD31-4B8C-83A1-F6EECF244321}">
-                <p14:modId xmlns:p14="http://schemas.microsoft.com/office/powerpoint/2010/main" val="2318463769"/>
+                <p14:modId xmlns:p14="http://schemas.microsoft.com/office/powerpoint/2010/main" val="1108695656"/>
               </p:ext>
             </p:extLst>
           </p:nvPr>
@@ -23335,7 +23335,7 @@
           <p:nvPr>
             <p:extLst>
               <p:ext uri="{D42A27DB-BD31-4B8C-83A1-F6EECF244321}">
-                <p14:modId xmlns:p14="http://schemas.microsoft.com/office/powerpoint/2010/main" val="193253810"/>
+                <p14:modId xmlns:p14="http://schemas.microsoft.com/office/powerpoint/2010/main" val="2614928892"/>
               </p:ext>
             </p:extLst>
           </p:nvPr>
@@ -24430,7 +24430,7 @@
           <p:nvPr>
             <p:extLst>
               <p:ext uri="{D42A27DB-BD31-4B8C-83A1-F6EECF244321}">
-                <p14:modId xmlns:p14="http://schemas.microsoft.com/office/powerpoint/2010/main" val="887359754"/>
+                <p14:modId xmlns:p14="http://schemas.microsoft.com/office/powerpoint/2010/main" val="2241099132"/>
               </p:ext>
             </p:extLst>
           </p:nvPr>
@@ -28538,14 +28538,14 @@
           <p:nvPr>
             <p:extLst>
               <p:ext uri="{D42A27DB-BD31-4B8C-83A1-F6EECF244321}">
-                <p14:modId xmlns:p14="http://schemas.microsoft.com/office/powerpoint/2010/main" val="2332924749"/>
+                <p14:modId xmlns:p14="http://schemas.microsoft.com/office/powerpoint/2010/main" val="3743836665"/>
               </p:ext>
             </p:extLst>
           </p:nvPr>
         </p:nvGraphicFramePr>
         <p:xfrm>
-          <a:off x="2244694" y="109185"/>
-          <a:ext cx="7702612" cy="7279710"/>
+          <a:off x="2473294" y="0"/>
+          <a:ext cx="9048145" cy="7041699"/>
         </p:xfrm>
         <a:graphic>
           <a:graphicData uri="http://schemas.openxmlformats.org/drawingml/2006/table">
@@ -28554,28 +28554,28 @@
                 <a:tableStyleId>{5DA37D80-6434-44D0-A028-1B22A696006F}</a:tableStyleId>
               </a:tblPr>
               <a:tblGrid>
-                <a:gridCol w="2580292">
+                <a:gridCol w="3031031">
                   <a:extLst>
                     <a:ext uri="{9D8B030D-6E8A-4147-A177-3AD203B41FA5}">
                       <a16:colId xmlns:a16="http://schemas.microsoft.com/office/drawing/2014/main" val="4167633223"/>
                     </a:ext>
                   </a:extLst>
                 </a:gridCol>
-                <a:gridCol w="1240031">
+                <a:gridCol w="1456646">
                   <a:extLst>
                     <a:ext uri="{9D8B030D-6E8A-4147-A177-3AD203B41FA5}">
                       <a16:colId xmlns:a16="http://schemas.microsoft.com/office/drawing/2014/main" val="1542798952"/>
                     </a:ext>
                   </a:extLst>
                 </a:gridCol>
-                <a:gridCol w="1357423">
+                <a:gridCol w="1594545">
                   <a:extLst>
                     <a:ext uri="{9D8B030D-6E8A-4147-A177-3AD203B41FA5}">
                       <a16:colId xmlns:a16="http://schemas.microsoft.com/office/drawing/2014/main" val="181894841"/>
                     </a:ext>
                   </a:extLst>
                 </a:gridCol>
-                <a:gridCol w="2524866">
+                <a:gridCol w="2965923">
                   <a:extLst>
                     <a:ext uri="{9D8B030D-6E8A-4147-A177-3AD203B41FA5}">
                       <a16:colId xmlns:a16="http://schemas.microsoft.com/office/drawing/2014/main" val="2867330664"/>
@@ -28583,7 +28583,7 @@
                   </a:extLst>
                 </a:gridCol>
               </a:tblGrid>
-              <a:tr h="351880">
+              <a:tr h="302963">
                 <a:tc gridSpan="4">
                   <a:txBody>
                     <a:bodyPr/>
@@ -28678,7 +28678,7 @@
                   </a:ext>
                 </a:extLst>
               </a:tr>
-              <a:tr h="351880">
+              <a:tr h="302963">
                 <a:tc>
                   <a:txBody>
                     <a:bodyPr/>
@@ -28843,7 +28843,7 @@
                   </a:ext>
                 </a:extLst>
               </a:tr>
-              <a:tr h="553447">
+              <a:tr h="476509">
                 <a:tc gridSpan="2">
                   <a:txBody>
                     <a:bodyPr/>
@@ -28992,7 +28992,7 @@
                   </a:ext>
                 </a:extLst>
               </a:tr>
-              <a:tr h="1286514">
+              <a:tr h="1900461">
                 <a:tc gridSpan="2">
                   <a:txBody>
                     <a:bodyPr/>
@@ -29346,7 +29346,7 @@
                   </a:ext>
                 </a:extLst>
               </a:tr>
-              <a:tr h="403341">
+              <a:tr h="347270">
                 <a:tc gridSpan="4">
                   <a:txBody>
                     <a:bodyPr/>
@@ -29406,7 +29406,7 @@
                   </a:ext>
                 </a:extLst>
               </a:tr>
-              <a:tr h="2087012">
+              <a:tr h="2505153">
                 <a:tc gridSpan="4">
                   <a:txBody>
                     <a:bodyPr/>
@@ -29679,7 +29679,7 @@
                   </a:ext>
                 </a:extLst>
               </a:tr>
-              <a:tr h="955722">
+              <a:tr h="892641">
                 <a:tc gridSpan="4">
                   <a:txBody>
                     <a:bodyPr/>
@@ -30033,7 +30033,7 @@
           <p:nvPr>
             <p:extLst>
               <p:ext uri="{D42A27DB-BD31-4B8C-83A1-F6EECF244321}">
-                <p14:modId xmlns:p14="http://schemas.microsoft.com/office/powerpoint/2010/main" val="159557052"/>
+                <p14:modId xmlns:p14="http://schemas.microsoft.com/office/powerpoint/2010/main" val="157968221"/>
               </p:ext>
             </p:extLst>
           </p:nvPr>
@@ -31207,7 +31207,7 @@
           <p:nvPr>
             <p:extLst>
               <p:ext uri="{D42A27DB-BD31-4B8C-83A1-F6EECF244321}">
-                <p14:modId xmlns:p14="http://schemas.microsoft.com/office/powerpoint/2010/main" val="1497034079"/>
+                <p14:modId xmlns:p14="http://schemas.microsoft.com/office/powerpoint/2010/main" val="402285599"/>
               </p:ext>
             </p:extLst>
           </p:nvPr>
@@ -32384,7 +32384,7 @@
           <p:nvPr>
             <p:extLst>
               <p:ext uri="{D42A27DB-BD31-4B8C-83A1-F6EECF244321}">
-                <p14:modId xmlns:p14="http://schemas.microsoft.com/office/powerpoint/2010/main" val="1440764231"/>
+                <p14:modId xmlns:p14="http://schemas.microsoft.com/office/powerpoint/2010/main" val="4214373612"/>
               </p:ext>
             </p:extLst>
           </p:nvPr>
@@ -33499,13 +33499,13 @@
           <p:nvPr>
             <p:extLst>
               <p:ext uri="{D42A27DB-BD31-4B8C-83A1-F6EECF244321}">
-                <p14:modId xmlns:p14="http://schemas.microsoft.com/office/powerpoint/2010/main" val="843910273"/>
+                <p14:modId xmlns:p14="http://schemas.microsoft.com/office/powerpoint/2010/main" val="3095599783"/>
               </p:ext>
             </p:extLst>
           </p:nvPr>
         </p:nvGraphicFramePr>
         <p:xfrm>
-          <a:off x="2244694" y="781827"/>
+          <a:off x="2781904" y="502499"/>
           <a:ext cx="7702612" cy="5853002"/>
         </p:xfrm>
         <a:graphic>
@@ -34780,7 +34780,7 @@
           <p:nvPr>
             <p:extLst>
               <p:ext uri="{D42A27DB-BD31-4B8C-83A1-F6EECF244321}">
-                <p14:modId xmlns:p14="http://schemas.microsoft.com/office/powerpoint/2010/main" val="2081706984"/>
+                <p14:modId xmlns:p14="http://schemas.microsoft.com/office/powerpoint/2010/main" val="1870166749"/>
               </p:ext>
             </p:extLst>
           </p:nvPr>
@@ -36076,7 +36076,7 @@
           <p:nvPr>
             <p:extLst>
               <p:ext uri="{D42A27DB-BD31-4B8C-83A1-F6EECF244321}">
-                <p14:modId xmlns:p14="http://schemas.microsoft.com/office/powerpoint/2010/main" val="1617412420"/>
+                <p14:modId xmlns:p14="http://schemas.microsoft.com/office/powerpoint/2010/main" val="2061293161"/>
               </p:ext>
             </p:extLst>
           </p:nvPr>
